--- a/Презентация.pptx
+++ b/Презентация.pptx
@@ -4,6 +4,14 @@
   <p:sldMasterIdLst>
     <p:sldMasterId id="2147483648" r:id="rId1"/>
   </p:sldMasterIdLst>
+  <p:sldIdLst>
+    <p:sldId id="256" r:id="rId2"/>
+    <p:sldId id="257" r:id="rId3"/>
+    <p:sldId id="258" r:id="rId4"/>
+    <p:sldId id="259" r:id="rId5"/>
+    <p:sldId id="260" r:id="rId6"/>
+    <p:sldId id="261" r:id="rId7"/>
+  </p:sldIdLst>
   <p:sldSz cx="9144000" cy="6858000" type="screen4x3"/>
   <p:notesSz cx="6858000" cy="9144000"/>
   <p:defaultTextStyle>
@@ -285,7 +293,8 @@
           <a:p>
             <a:fld id="{5B106E36-FD25-4E2D-B0AA-010F637433A0}" type="datetimeFigureOut">
               <a:rPr lang="ru-RU" smtClean="0"/>
-              <a:t>03.11.2006</a:t>
+              <a:pPr/>
+              <a:t>08.02.2025</a:t>
             </a:fld>
             <a:endParaRPr lang="ru-RU"/>
           </a:p>
@@ -327,6 +336,7 @@
           <a:p>
             <a:fld id="{725C68B6-61C2-468F-89AB-4B9F7531AA68}" type="slidenum">
               <a:rPr lang="ru-RU" smtClean="0"/>
+              <a:pPr/>
               <a:t>‹#›</a:t>
             </a:fld>
             <a:endParaRPr lang="ru-RU"/>
@@ -450,7 +460,8 @@
           <a:p>
             <a:fld id="{5B106E36-FD25-4E2D-B0AA-010F637433A0}" type="datetimeFigureOut">
               <a:rPr lang="ru-RU" smtClean="0"/>
-              <a:t>03.11.2006</a:t>
+              <a:pPr/>
+              <a:t>08.02.2025</a:t>
             </a:fld>
             <a:endParaRPr lang="ru-RU"/>
           </a:p>
@@ -492,6 +503,7 @@
           <a:p>
             <a:fld id="{725C68B6-61C2-468F-89AB-4B9F7531AA68}" type="slidenum">
               <a:rPr lang="ru-RU" smtClean="0"/>
+              <a:pPr/>
               <a:t>‹#›</a:t>
             </a:fld>
             <a:endParaRPr lang="ru-RU"/>
@@ -625,7 +637,8 @@
           <a:p>
             <a:fld id="{5B106E36-FD25-4E2D-B0AA-010F637433A0}" type="datetimeFigureOut">
               <a:rPr lang="ru-RU" smtClean="0"/>
-              <a:t>03.11.2006</a:t>
+              <a:pPr/>
+              <a:t>08.02.2025</a:t>
             </a:fld>
             <a:endParaRPr lang="ru-RU"/>
           </a:p>
@@ -667,6 +680,7 @@
           <a:p>
             <a:fld id="{725C68B6-61C2-468F-89AB-4B9F7531AA68}" type="slidenum">
               <a:rPr lang="ru-RU" smtClean="0"/>
+              <a:pPr/>
               <a:t>‹#›</a:t>
             </a:fld>
             <a:endParaRPr lang="ru-RU"/>
@@ -790,7 +804,8 @@
           <a:p>
             <a:fld id="{5B106E36-FD25-4E2D-B0AA-010F637433A0}" type="datetimeFigureOut">
               <a:rPr lang="ru-RU" smtClean="0"/>
-              <a:t>03.11.2006</a:t>
+              <a:pPr/>
+              <a:t>08.02.2025</a:t>
             </a:fld>
             <a:endParaRPr lang="ru-RU"/>
           </a:p>
@@ -832,6 +847,7 @@
           <a:p>
             <a:fld id="{725C68B6-61C2-468F-89AB-4B9F7531AA68}" type="slidenum">
               <a:rPr lang="ru-RU" smtClean="0"/>
+              <a:pPr/>
               <a:t>‹#›</a:t>
             </a:fld>
             <a:endParaRPr lang="ru-RU"/>
@@ -1031,7 +1047,8 @@
           <a:p>
             <a:fld id="{5B106E36-FD25-4E2D-B0AA-010F637433A0}" type="datetimeFigureOut">
               <a:rPr lang="ru-RU" smtClean="0"/>
-              <a:t>03.11.2006</a:t>
+              <a:pPr/>
+              <a:t>08.02.2025</a:t>
             </a:fld>
             <a:endParaRPr lang="ru-RU"/>
           </a:p>
@@ -1073,6 +1090,7 @@
           <a:p>
             <a:fld id="{725C68B6-61C2-468F-89AB-4B9F7531AA68}" type="slidenum">
               <a:rPr lang="ru-RU" smtClean="0"/>
+              <a:pPr/>
               <a:t>‹#›</a:t>
             </a:fld>
             <a:endParaRPr lang="ru-RU"/>
@@ -1314,7 +1332,8 @@
           <a:p>
             <a:fld id="{5B106E36-FD25-4E2D-B0AA-010F637433A0}" type="datetimeFigureOut">
               <a:rPr lang="ru-RU" smtClean="0"/>
-              <a:t>03.11.2006</a:t>
+              <a:pPr/>
+              <a:t>08.02.2025</a:t>
             </a:fld>
             <a:endParaRPr lang="ru-RU"/>
           </a:p>
@@ -1356,6 +1375,7 @@
           <a:p>
             <a:fld id="{725C68B6-61C2-468F-89AB-4B9F7531AA68}" type="slidenum">
               <a:rPr lang="ru-RU" smtClean="0"/>
+              <a:pPr/>
               <a:t>‹#›</a:t>
             </a:fld>
             <a:endParaRPr lang="ru-RU"/>
@@ -1731,7 +1751,8 @@
           <a:p>
             <a:fld id="{5B106E36-FD25-4E2D-B0AA-010F637433A0}" type="datetimeFigureOut">
               <a:rPr lang="ru-RU" smtClean="0"/>
-              <a:t>03.11.2006</a:t>
+              <a:pPr/>
+              <a:t>08.02.2025</a:t>
             </a:fld>
             <a:endParaRPr lang="ru-RU"/>
           </a:p>
@@ -1773,6 +1794,7 @@
           <a:p>
             <a:fld id="{725C68B6-61C2-468F-89AB-4B9F7531AA68}" type="slidenum">
               <a:rPr lang="ru-RU" smtClean="0"/>
+              <a:pPr/>
               <a:t>‹#›</a:t>
             </a:fld>
             <a:endParaRPr lang="ru-RU"/>
@@ -1844,7 +1866,8 @@
           <a:p>
             <a:fld id="{5B106E36-FD25-4E2D-B0AA-010F637433A0}" type="datetimeFigureOut">
               <a:rPr lang="ru-RU" smtClean="0"/>
-              <a:t>03.11.2006</a:t>
+              <a:pPr/>
+              <a:t>08.02.2025</a:t>
             </a:fld>
             <a:endParaRPr lang="ru-RU"/>
           </a:p>
@@ -1886,6 +1909,7 @@
           <a:p>
             <a:fld id="{725C68B6-61C2-468F-89AB-4B9F7531AA68}" type="slidenum">
               <a:rPr lang="ru-RU" smtClean="0"/>
+              <a:pPr/>
               <a:t>‹#›</a:t>
             </a:fld>
             <a:endParaRPr lang="ru-RU"/>
@@ -1934,7 +1958,8 @@
           <a:p>
             <a:fld id="{5B106E36-FD25-4E2D-B0AA-010F637433A0}" type="datetimeFigureOut">
               <a:rPr lang="ru-RU" smtClean="0"/>
-              <a:t>03.11.2006</a:t>
+              <a:pPr/>
+              <a:t>08.02.2025</a:t>
             </a:fld>
             <a:endParaRPr lang="ru-RU"/>
           </a:p>
@@ -1976,6 +2001,7 @@
           <a:p>
             <a:fld id="{725C68B6-61C2-468F-89AB-4B9F7531AA68}" type="slidenum">
               <a:rPr lang="ru-RU" smtClean="0"/>
+              <a:pPr/>
               <a:t>‹#›</a:t>
             </a:fld>
             <a:endParaRPr lang="ru-RU"/>
@@ -2206,7 +2232,8 @@
           <a:p>
             <a:fld id="{5B106E36-FD25-4E2D-B0AA-010F637433A0}" type="datetimeFigureOut">
               <a:rPr lang="ru-RU" smtClean="0"/>
-              <a:t>03.11.2006</a:t>
+              <a:pPr/>
+              <a:t>08.02.2025</a:t>
             </a:fld>
             <a:endParaRPr lang="ru-RU"/>
           </a:p>
@@ -2248,6 +2275,7 @@
           <a:p>
             <a:fld id="{725C68B6-61C2-468F-89AB-4B9F7531AA68}" type="slidenum">
               <a:rPr lang="ru-RU" smtClean="0"/>
+              <a:pPr/>
               <a:t>‹#›</a:t>
             </a:fld>
             <a:endParaRPr lang="ru-RU"/>
@@ -2454,7 +2482,8 @@
           <a:p>
             <a:fld id="{5B106E36-FD25-4E2D-B0AA-010F637433A0}" type="datetimeFigureOut">
               <a:rPr lang="ru-RU" smtClean="0"/>
-              <a:t>03.11.2006</a:t>
+              <a:pPr/>
+              <a:t>08.02.2025</a:t>
             </a:fld>
             <a:endParaRPr lang="ru-RU"/>
           </a:p>
@@ -2496,6 +2525,7 @@
           <a:p>
             <a:fld id="{725C68B6-61C2-468F-89AB-4B9F7531AA68}" type="slidenum">
               <a:rPr lang="ru-RU" smtClean="0"/>
+              <a:pPr/>
               <a:t>‹#›</a:t>
             </a:fld>
             <a:endParaRPr lang="ru-RU"/>
@@ -2662,7 +2692,8 @@
           <a:p>
             <a:fld id="{5B106E36-FD25-4E2D-B0AA-010F637433A0}" type="datetimeFigureOut">
               <a:rPr lang="ru-RU" smtClean="0"/>
-              <a:t>03.11.2006</a:t>
+              <a:pPr/>
+              <a:t>08.02.2025</a:t>
             </a:fld>
             <a:endParaRPr lang="ru-RU"/>
           </a:p>
@@ -2740,6 +2771,7 @@
           <a:p>
             <a:fld id="{725C68B6-61C2-468F-89AB-4B9F7531AA68}" type="slidenum">
               <a:rPr lang="ru-RU" smtClean="0"/>
+              <a:pPr/>
               <a:t>‹#›</a:t>
             </a:fld>
             <a:endParaRPr lang="ru-RU"/>
@@ -3013,6 +3045,858 @@
     </p:otherStyle>
   </p:txStyles>
 </p:sldMaster>
+</file>
+
+<file path=ppt/slides/slide1.xml><?xml version="1.0" encoding="utf-8"?>
+<p:sld xmlns:a="http://schemas.openxmlformats.org/drawingml/2006/main" xmlns:r="http://schemas.openxmlformats.org/officeDocument/2006/relationships" xmlns:p="http://schemas.openxmlformats.org/presentationml/2006/main">
+  <p:cSld>
+    <p:spTree>
+      <p:nvGrpSpPr>
+        <p:cNvPr id="1" name=""/>
+        <p:cNvGrpSpPr/>
+        <p:nvPr/>
+      </p:nvGrpSpPr>
+      <p:grpSpPr>
+        <a:xfrm>
+          <a:off x="0" y="0"/>
+          <a:ext cx="0" cy="0"/>
+          <a:chOff x="0" y="0"/>
+          <a:chExt cx="0" cy="0"/>
+        </a:xfrm>
+      </p:grpSpPr>
+      <p:sp>
+        <p:nvSpPr>
+          <p:cNvPr id="2" name="Заголовок 1"/>
+          <p:cNvSpPr>
+            <a:spLocks noGrp="1"/>
+          </p:cNvSpPr>
+          <p:nvPr>
+            <p:ph type="ctrTitle"/>
+          </p:nvPr>
+        </p:nvSpPr>
+        <p:spPr/>
+        <p:txBody>
+          <a:bodyPr>
+            <a:normAutofit/>
+          </a:bodyPr>
+          <a:lstStyle/>
+          <a:p>
+            <a:r>
+              <a:rPr lang="en-US" sz="6000" b="1" dirty="0" smtClean="0"/>
+              <a:t>Dungeon Master</a:t>
+            </a:r>
+            <a:endParaRPr lang="ru-RU" sz="6000" b="1" dirty="0"/>
+          </a:p>
+        </p:txBody>
+      </p:sp>
+      <p:sp>
+        <p:nvSpPr>
+          <p:cNvPr id="3" name="Подзаголовок 2"/>
+          <p:cNvSpPr>
+            <a:spLocks noGrp="1"/>
+          </p:cNvSpPr>
+          <p:nvPr>
+            <p:ph type="subTitle" idx="1"/>
+          </p:nvPr>
+        </p:nvSpPr>
+        <p:spPr/>
+        <p:txBody>
+          <a:bodyPr/>
+          <a:lstStyle/>
+          <a:p>
+            <a:r>
+              <a:rPr lang="ru-RU" dirty="0" smtClean="0"/>
+              <a:t>Всё, что нужно знать.</a:t>
+            </a:r>
+            <a:endParaRPr lang="ru-RU" dirty="0"/>
+          </a:p>
+        </p:txBody>
+      </p:sp>
+    </p:spTree>
+  </p:cSld>
+  <p:clrMapOvr>
+    <a:masterClrMapping/>
+  </p:clrMapOvr>
+</p:sld>
+</file>
+
+<file path=ppt/slides/slide2.xml><?xml version="1.0" encoding="utf-8"?>
+<p:sld xmlns:a="http://schemas.openxmlformats.org/drawingml/2006/main" xmlns:r="http://schemas.openxmlformats.org/officeDocument/2006/relationships" xmlns:p="http://schemas.openxmlformats.org/presentationml/2006/main">
+  <p:cSld>
+    <p:spTree>
+      <p:nvGrpSpPr>
+        <p:cNvPr id="1" name=""/>
+        <p:cNvGrpSpPr/>
+        <p:nvPr/>
+      </p:nvGrpSpPr>
+      <p:grpSpPr>
+        <a:xfrm>
+          <a:off x="0" y="0"/>
+          <a:ext cx="0" cy="0"/>
+          <a:chOff x="0" y="0"/>
+          <a:chExt cx="0" cy="0"/>
+        </a:xfrm>
+      </p:grpSpPr>
+      <p:sp>
+        <p:nvSpPr>
+          <p:cNvPr id="2" name="Заголовок 1"/>
+          <p:cNvSpPr>
+            <a:spLocks noGrp="1"/>
+          </p:cNvSpPr>
+          <p:nvPr>
+            <p:ph type="title"/>
+          </p:nvPr>
+        </p:nvSpPr>
+        <p:spPr/>
+        <p:txBody>
+          <a:bodyPr>
+            <a:normAutofit/>
+          </a:bodyPr>
+          <a:lstStyle/>
+          <a:p>
+            <a:r>
+              <a:rPr lang="ru-RU" dirty="0" smtClean="0"/>
+              <a:t>Что Это Такое</a:t>
+            </a:r>
+            <a:r>
+              <a:rPr lang="en-US" dirty="0" smtClean="0"/>
+              <a:t>?</a:t>
+            </a:r>
+            <a:endParaRPr lang="ru-RU" dirty="0"/>
+          </a:p>
+        </p:txBody>
+      </p:sp>
+      <p:sp>
+        <p:nvSpPr>
+          <p:cNvPr id="3" name="Содержимое 2"/>
+          <p:cNvSpPr>
+            <a:spLocks noGrp="1"/>
+          </p:cNvSpPr>
+          <p:nvPr>
+            <p:ph idx="1"/>
+          </p:nvPr>
+        </p:nvSpPr>
+        <p:spPr>
+          <a:xfrm>
+            <a:off x="428596" y="1643050"/>
+            <a:ext cx="8229600" cy="4525963"/>
+          </a:xfrm>
+        </p:spPr>
+        <p:txBody>
+          <a:bodyPr/>
+          <a:lstStyle/>
+          <a:p>
+            <a:pPr lvl="1">
+              <a:buNone/>
+            </a:pPr>
+            <a:r>
+              <a:rPr lang="en-US" dirty="0" smtClean="0"/>
+              <a:t>Dungeon Master – </a:t>
+            </a:r>
+            <a:r>
+              <a:rPr lang="ru-RU" dirty="0" smtClean="0"/>
+              <a:t>это бессюжетная игра в жанре</a:t>
+            </a:r>
+            <a:endParaRPr lang="en-US" dirty="0" smtClean="0"/>
+          </a:p>
+          <a:p>
+            <a:pPr lvl="1">
+              <a:buNone/>
+            </a:pPr>
+            <a:r>
+              <a:rPr lang="en-US" dirty="0" err="1" smtClean="0"/>
+              <a:t>Roguelike</a:t>
+            </a:r>
+            <a:r>
+              <a:rPr lang="ru-RU" dirty="0" smtClean="0"/>
+              <a:t>, где вы изучаете подземелья, попутно</a:t>
+            </a:r>
+          </a:p>
+          <a:p>
+            <a:pPr lvl="1">
+              <a:buNone/>
+            </a:pPr>
+            <a:r>
+              <a:rPr lang="ru-RU" dirty="0" smtClean="0"/>
+              <a:t>отстреливаясь от толпы скелетов.  Пройдя все</a:t>
+            </a:r>
+          </a:p>
+          <a:p>
+            <a:pPr lvl="1">
+              <a:buNone/>
+            </a:pPr>
+            <a:r>
+              <a:rPr lang="ru-RU" dirty="0" smtClean="0"/>
+              <a:t>уровни, вы будете награждены конечной </a:t>
+            </a:r>
+          </a:p>
+          <a:p>
+            <a:pPr lvl="1">
+              <a:buNone/>
+            </a:pPr>
+            <a:r>
+              <a:rPr lang="ru-RU" dirty="0" smtClean="0"/>
+              <a:t>заставкой(т.е. ничем).</a:t>
+            </a:r>
+            <a:endParaRPr lang="ru-RU" dirty="0"/>
+          </a:p>
+        </p:txBody>
+      </p:sp>
+    </p:spTree>
+  </p:cSld>
+  <p:clrMapOvr>
+    <a:masterClrMapping/>
+  </p:clrMapOvr>
+</p:sld>
+</file>
+
+<file path=ppt/slides/slide3.xml><?xml version="1.0" encoding="utf-8"?>
+<p:sld xmlns:a="http://schemas.openxmlformats.org/drawingml/2006/main" xmlns:r="http://schemas.openxmlformats.org/officeDocument/2006/relationships" xmlns:p="http://schemas.openxmlformats.org/presentationml/2006/main">
+  <p:cSld>
+    <p:spTree>
+      <p:nvGrpSpPr>
+        <p:cNvPr id="1" name=""/>
+        <p:cNvGrpSpPr/>
+        <p:nvPr/>
+      </p:nvGrpSpPr>
+      <p:grpSpPr>
+        <a:xfrm>
+          <a:off x="0" y="0"/>
+          <a:ext cx="0" cy="0"/>
+          <a:chOff x="0" y="0"/>
+          <a:chExt cx="0" cy="0"/>
+        </a:xfrm>
+      </p:grpSpPr>
+      <p:sp>
+        <p:nvSpPr>
+          <p:cNvPr id="2" name="Заголовок 1"/>
+          <p:cNvSpPr>
+            <a:spLocks noGrp="1"/>
+          </p:cNvSpPr>
+          <p:nvPr>
+            <p:ph type="title"/>
+          </p:nvPr>
+        </p:nvSpPr>
+        <p:spPr/>
+        <p:txBody>
+          <a:bodyPr/>
+          <a:lstStyle/>
+          <a:p>
+            <a:r>
+              <a:rPr lang="ru-RU" dirty="0" smtClean="0"/>
+              <a:t>Какие Плюсы</a:t>
+            </a:r>
+            <a:r>
+              <a:rPr lang="en-US" dirty="0" smtClean="0"/>
+              <a:t>?</a:t>
+            </a:r>
+            <a:endParaRPr lang="ru-RU" dirty="0"/>
+          </a:p>
+        </p:txBody>
+      </p:sp>
+      <p:sp>
+        <p:nvSpPr>
+          <p:cNvPr id="3" name="Содержимое 2"/>
+          <p:cNvSpPr>
+            <a:spLocks noGrp="1"/>
+          </p:cNvSpPr>
+          <p:nvPr>
+            <p:ph idx="1"/>
+          </p:nvPr>
+        </p:nvSpPr>
+        <p:spPr/>
+        <p:txBody>
+          <a:bodyPr/>
+          <a:lstStyle/>
+          <a:p>
+            <a:pPr marL="514350" indent="-514350">
+              <a:buAutoNum type="arabicPeriod"/>
+            </a:pPr>
+            <a:r>
+              <a:rPr lang="en-US" dirty="0" smtClean="0"/>
+              <a:t>“It just works”(Steve Jobs)</a:t>
+            </a:r>
+          </a:p>
+          <a:p>
+            <a:pPr marL="514350" indent="-514350">
+              <a:buAutoNum type="arabicPeriod"/>
+            </a:pPr>
+            <a:r>
+              <a:rPr lang="ru-RU" dirty="0" smtClean="0"/>
+              <a:t>Игра предоставляет невероятно малый простор для фантазии и невероятно скучный </a:t>
+            </a:r>
+            <a:r>
+              <a:rPr lang="ru-RU" dirty="0" err="1" smtClean="0"/>
+              <a:t>геймплей</a:t>
+            </a:r>
+            <a:r>
+              <a:rPr lang="ru-RU" dirty="0" smtClean="0"/>
+              <a:t>, делая все для того, чтобы вы как можно меньше получали удовольствия.</a:t>
+            </a:r>
+          </a:p>
+        </p:txBody>
+      </p:sp>
+    </p:spTree>
+  </p:cSld>
+  <p:clrMapOvr>
+    <a:masterClrMapping/>
+  </p:clrMapOvr>
+</p:sld>
+</file>
+
+<file path=ppt/slides/slide4.xml><?xml version="1.0" encoding="utf-8"?>
+<p:sld xmlns:a="http://schemas.openxmlformats.org/drawingml/2006/main" xmlns:r="http://schemas.openxmlformats.org/officeDocument/2006/relationships" xmlns:p="http://schemas.openxmlformats.org/presentationml/2006/main">
+  <p:cSld>
+    <p:spTree>
+      <p:nvGrpSpPr>
+        <p:cNvPr id="1" name=""/>
+        <p:cNvGrpSpPr/>
+        <p:nvPr/>
+      </p:nvGrpSpPr>
+      <p:grpSpPr>
+        <a:xfrm>
+          <a:off x="0" y="0"/>
+          <a:ext cx="0" cy="0"/>
+          <a:chOff x="0" y="0"/>
+          <a:chExt cx="0" cy="0"/>
+        </a:xfrm>
+      </p:grpSpPr>
+      <p:sp>
+        <p:nvSpPr>
+          <p:cNvPr id="2" name="Заголовок 1"/>
+          <p:cNvSpPr>
+            <a:spLocks noGrp="1"/>
+          </p:cNvSpPr>
+          <p:nvPr>
+            <p:ph type="title"/>
+          </p:nvPr>
+        </p:nvSpPr>
+        <p:spPr/>
+        <p:txBody>
+          <a:bodyPr/>
+          <a:lstStyle/>
+          <a:p>
+            <a:r>
+              <a:rPr lang="ru-RU" dirty="0" smtClean="0"/>
+              <a:t>Почему Это Плюсы</a:t>
+            </a:r>
+            <a:r>
+              <a:rPr lang="en-US" dirty="0" smtClean="0"/>
+              <a:t>?</a:t>
+            </a:r>
+            <a:endParaRPr lang="ru-RU" dirty="0"/>
+          </a:p>
+        </p:txBody>
+      </p:sp>
+      <p:sp>
+        <p:nvSpPr>
+          <p:cNvPr id="4" name="TextBox 3"/>
+          <p:cNvSpPr txBox="1"/>
+          <p:nvPr/>
+        </p:nvSpPr>
+        <p:spPr>
+          <a:xfrm>
+            <a:off x="285720" y="1428736"/>
+            <a:ext cx="8715436" cy="830997"/>
+          </a:xfrm>
+          <a:prstGeom prst="rect">
+            <a:avLst/>
+          </a:prstGeom>
+          <a:noFill/>
+        </p:spPr>
+        <p:txBody>
+          <a:bodyPr wrap="square" rtlCol="0">
+            <a:spAutoFit/>
+          </a:bodyPr>
+          <a:lstStyle/>
+          <a:p>
+            <a:r>
+              <a:rPr lang="ru-RU" sz="2400" dirty="0" smtClean="0"/>
+              <a:t>Несомненно, все эти факторы являются плюсами. Нужно лишь напрячь мозги.</a:t>
+            </a:r>
+            <a:endParaRPr lang="ru-RU" sz="2400" dirty="0"/>
+          </a:p>
+        </p:txBody>
+      </p:sp>
+      <p:sp>
+        <p:nvSpPr>
+          <p:cNvPr id="5" name="TextBox 4"/>
+          <p:cNvSpPr txBox="1"/>
+          <p:nvPr/>
+        </p:nvSpPr>
+        <p:spPr>
+          <a:xfrm>
+            <a:off x="285720" y="2214554"/>
+            <a:ext cx="8501122" cy="3046988"/>
+          </a:xfrm>
+          <a:prstGeom prst="rect">
+            <a:avLst/>
+          </a:prstGeom>
+          <a:noFill/>
+        </p:spPr>
+        <p:txBody>
+          <a:bodyPr wrap="square" rtlCol="0">
+            <a:spAutoFit/>
+          </a:bodyPr>
+          <a:lstStyle/>
+          <a:p>
+            <a:r>
+              <a:rPr lang="ru-RU" sz="2400" dirty="0" smtClean="0"/>
+              <a:t>Т.к. Вы станете меньше проводить время за играми, вследствие чего начнете</a:t>
+            </a:r>
+            <a:r>
+              <a:rPr lang="en-US" sz="2400" dirty="0" smtClean="0"/>
+              <a:t>: </a:t>
+            </a:r>
+          </a:p>
+          <a:p>
+            <a:pPr marL="342900" indent="-342900">
+              <a:buAutoNum type="arabicPeriod"/>
+            </a:pPr>
+            <a:r>
+              <a:rPr lang="ru-RU" sz="2400" dirty="0" smtClean="0"/>
+              <a:t>Меньше смотреть в экран(меньше портить зрение)</a:t>
+            </a:r>
+          </a:p>
+          <a:p>
+            <a:pPr marL="342900" indent="-342900">
+              <a:buFontTx/>
+              <a:buAutoNum type="arabicPeriod"/>
+            </a:pPr>
+            <a:r>
+              <a:rPr lang="ru-RU" sz="2400" dirty="0" smtClean="0"/>
+              <a:t>Меньше проводить времени за компьютером, в сидячем положении(меньше наживать сколиоз, сутулость и другие проблемы сидячего образа жизни)</a:t>
+            </a:r>
+          </a:p>
+          <a:p>
+            <a:pPr marL="342900" indent="-342900">
+              <a:buAutoNum type="arabicPeriod"/>
+            </a:pPr>
+            <a:r>
+              <a:rPr lang="ru-RU" sz="2400" dirty="0" smtClean="0"/>
+              <a:t>Начнете получать наслаждение от реальности(станете жить и изменитесь)</a:t>
+            </a:r>
+          </a:p>
+        </p:txBody>
+      </p:sp>
+    </p:spTree>
+  </p:cSld>
+  <p:clrMapOvr>
+    <a:masterClrMapping/>
+  </p:clrMapOvr>
+</p:sld>
+</file>
+
+<file path=ppt/slides/slide5.xml><?xml version="1.0" encoding="utf-8"?>
+<p:sld xmlns:a="http://schemas.openxmlformats.org/drawingml/2006/main" xmlns:r="http://schemas.openxmlformats.org/officeDocument/2006/relationships" xmlns:p="http://schemas.openxmlformats.org/presentationml/2006/main">
+  <p:cSld>
+    <p:spTree>
+      <p:nvGrpSpPr>
+        <p:cNvPr id="1" name=""/>
+        <p:cNvGrpSpPr/>
+        <p:nvPr/>
+      </p:nvGrpSpPr>
+      <p:grpSpPr>
+        <a:xfrm>
+          <a:off x="0" y="0"/>
+          <a:ext cx="0" cy="0"/>
+          <a:chOff x="0" y="0"/>
+          <a:chExt cx="0" cy="0"/>
+        </a:xfrm>
+      </p:grpSpPr>
+      <p:sp>
+        <p:nvSpPr>
+          <p:cNvPr id="2" name="Заголовок 1"/>
+          <p:cNvSpPr>
+            <a:spLocks noGrp="1"/>
+          </p:cNvSpPr>
+          <p:nvPr>
+            <p:ph type="title"/>
+          </p:nvPr>
+        </p:nvSpPr>
+        <p:spPr/>
+        <p:txBody>
+          <a:bodyPr/>
+          <a:lstStyle/>
+          <a:p>
+            <a:r>
+              <a:rPr lang="ru-RU" dirty="0" smtClean="0"/>
+              <a:t>Техническое описание</a:t>
+            </a:r>
+            <a:endParaRPr lang="ru-RU" dirty="0"/>
+          </a:p>
+        </p:txBody>
+      </p:sp>
+      <p:sp>
+        <p:nvSpPr>
+          <p:cNvPr id="3" name="Содержимое 2"/>
+          <p:cNvSpPr>
+            <a:spLocks noGrp="1"/>
+          </p:cNvSpPr>
+          <p:nvPr>
+            <p:ph idx="1"/>
+          </p:nvPr>
+        </p:nvSpPr>
+        <p:spPr/>
+        <p:txBody>
+          <a:bodyPr>
+            <a:normAutofit lnSpcReduction="10000"/>
+          </a:bodyPr>
+          <a:lstStyle/>
+          <a:p>
+            <a:pPr>
+              <a:buNone/>
+            </a:pPr>
+            <a:r>
+              <a:rPr lang="ru-RU" dirty="0" smtClean="0"/>
+              <a:t>Игра создана на </a:t>
+            </a:r>
+            <a:r>
+              <a:rPr lang="en-US" dirty="0" smtClean="0"/>
+              <a:t>python</a:t>
+            </a:r>
+            <a:r>
+              <a:rPr lang="ru-RU" dirty="0" smtClean="0"/>
+              <a:t>, конкретно на основе</a:t>
+            </a:r>
+          </a:p>
+          <a:p>
+            <a:pPr>
+              <a:buNone/>
+            </a:pPr>
+            <a:r>
+              <a:rPr lang="ru-RU" dirty="0" smtClean="0"/>
+              <a:t>б</a:t>
+            </a:r>
+            <a:r>
+              <a:rPr lang="ru-RU" dirty="0" smtClean="0"/>
+              <a:t>иблиотеки</a:t>
+            </a:r>
+            <a:r>
+              <a:rPr lang="en-US" dirty="0" smtClean="0"/>
+              <a:t> </a:t>
+            </a:r>
+            <a:r>
+              <a:rPr lang="en-US" dirty="0" err="1" smtClean="0"/>
+              <a:t>pygame</a:t>
+            </a:r>
+            <a:r>
+              <a:rPr lang="ru-RU" dirty="0" smtClean="0"/>
+              <a:t>. Также для создания базы</a:t>
+            </a:r>
+            <a:endParaRPr lang="en-US" dirty="0" smtClean="0"/>
+          </a:p>
+          <a:p>
+            <a:pPr>
+              <a:buNone/>
+            </a:pPr>
+            <a:r>
+              <a:rPr lang="en-US" dirty="0" smtClean="0"/>
+              <a:t> </a:t>
+            </a:r>
+            <a:r>
+              <a:rPr lang="ru-RU" dirty="0" smtClean="0"/>
+              <a:t>данных потребовался модуль </a:t>
+            </a:r>
+            <a:r>
+              <a:rPr lang="en-US" dirty="0" smtClean="0"/>
+              <a:t>sqlite3 </a:t>
+            </a:r>
+            <a:r>
+              <a:rPr lang="ru-RU" dirty="0" smtClean="0"/>
+              <a:t>и</a:t>
+            </a:r>
+            <a:endParaRPr lang="en-US" dirty="0" smtClean="0"/>
+          </a:p>
+          <a:p>
+            <a:pPr>
+              <a:buNone/>
+            </a:pPr>
+            <a:r>
+              <a:rPr lang="ru-RU" dirty="0" smtClean="0"/>
+              <a:t> программа </a:t>
+            </a:r>
+            <a:r>
+              <a:rPr lang="en-US" dirty="0" err="1" smtClean="0"/>
+              <a:t>SQLiteStudio</a:t>
+            </a:r>
+            <a:r>
+              <a:rPr lang="en-US" dirty="0" smtClean="0"/>
+              <a:t>. </a:t>
+            </a:r>
+          </a:p>
+          <a:p>
+            <a:pPr>
+              <a:buNone/>
+            </a:pPr>
+            <a:r>
+              <a:rPr lang="ru-RU" dirty="0" smtClean="0"/>
+              <a:t>В игре присутствуют стартовое окно, </a:t>
+            </a:r>
+          </a:p>
+          <a:p>
+            <a:pPr>
+              <a:buNone/>
+            </a:pPr>
+            <a:r>
+              <a:rPr lang="ru-RU" dirty="0" smtClean="0"/>
+              <a:t>ф</a:t>
+            </a:r>
+            <a:r>
+              <a:rPr lang="ru-RU" dirty="0" smtClean="0"/>
+              <a:t>инальное окно, подсчет результатов, </a:t>
+            </a:r>
+          </a:p>
+          <a:p>
+            <a:pPr>
+              <a:buNone/>
+            </a:pPr>
+            <a:r>
+              <a:rPr lang="ru-RU" dirty="0" smtClean="0"/>
+              <a:t>с</a:t>
+            </a:r>
+            <a:r>
+              <a:rPr lang="ru-RU" dirty="0" smtClean="0"/>
+              <a:t>прайты,</a:t>
+            </a:r>
+            <a:r>
+              <a:rPr lang="ru-RU" i="1" dirty="0" smtClean="0"/>
+              <a:t> </a:t>
+            </a:r>
+            <a:r>
+              <a:rPr lang="en-US" i="1" dirty="0" smtClean="0"/>
+              <a:t>collide</a:t>
+            </a:r>
+            <a:r>
+              <a:rPr lang="ru-RU" dirty="0" smtClean="0"/>
+              <a:t>, анимация, несколько</a:t>
+            </a:r>
+          </a:p>
+          <a:p>
+            <a:pPr>
+              <a:buNone/>
+            </a:pPr>
+            <a:r>
+              <a:rPr lang="ru-RU" dirty="0" smtClean="0"/>
+              <a:t>у</a:t>
+            </a:r>
+            <a:r>
+              <a:rPr lang="ru-RU" dirty="0" smtClean="0"/>
+              <a:t>ровней и хранение данных.</a:t>
+            </a:r>
+            <a:endParaRPr lang="ru-RU" dirty="0"/>
+          </a:p>
+        </p:txBody>
+      </p:sp>
+    </p:spTree>
+  </p:cSld>
+  <p:clrMapOvr>
+    <a:masterClrMapping/>
+  </p:clrMapOvr>
+</p:sld>
+</file>
+
+<file path=ppt/slides/slide6.xml><?xml version="1.0" encoding="utf-8"?>
+<p:sld xmlns:a="http://schemas.openxmlformats.org/drawingml/2006/main" xmlns:r="http://schemas.openxmlformats.org/officeDocument/2006/relationships" xmlns:p="http://schemas.openxmlformats.org/presentationml/2006/main">
+  <p:cSld>
+    <p:spTree>
+      <p:nvGrpSpPr>
+        <p:cNvPr id="1" name=""/>
+        <p:cNvGrpSpPr/>
+        <p:nvPr/>
+      </p:nvGrpSpPr>
+      <p:grpSpPr>
+        <a:xfrm>
+          <a:off x="0" y="0"/>
+          <a:ext cx="0" cy="0"/>
+          <a:chOff x="0" y="0"/>
+          <a:chExt cx="0" cy="0"/>
+        </a:xfrm>
+      </p:grpSpPr>
+      <p:pic>
+        <p:nvPicPr>
+          <p:cNvPr id="5" name="bandicam 2025-02-08 11-10-51-431.mp4">
+            <a:hlinkClick r:id="" action="ppaction://media"/>
+          </p:cNvPr>
+          <p:cNvPicPr>
+            <a:picLocks noRot="1" noChangeAspect="1"/>
+          </p:cNvPicPr>
+          <p:nvPr>
+            <a:videoFile r:link="rId1"/>
+          </p:nvPr>
+        </p:nvPicPr>
+        <p:blipFill>
+          <a:blip r:embed="rId3"/>
+          <a:stretch>
+            <a:fillRect/>
+          </a:stretch>
+        </p:blipFill>
+        <p:spPr>
+          <a:xfrm>
+            <a:off x="0" y="0"/>
+            <a:ext cx="9144000" cy="6858000"/>
+          </a:xfrm>
+          <a:prstGeom prst="rect">
+            <a:avLst/>
+          </a:prstGeom>
+        </p:spPr>
+      </p:pic>
+    </p:spTree>
+  </p:cSld>
+  <p:clrMapOvr>
+    <a:masterClrMapping/>
+  </p:clrMapOvr>
+  <p:timing>
+    <p:tnLst>
+      <p:par>
+        <p:cTn id="1" dur="indefinite" restart="never" nodeType="tmRoot">
+          <p:childTnLst>
+            <p:seq concurrent="1" nextAc="seek">
+              <p:cTn id="2" dur="indefinite" nodeType="mainSeq">
+                <p:childTnLst>
+                  <p:par>
+                    <p:cTn id="3" fill="hold">
+                      <p:stCondLst>
+                        <p:cond delay="indefinite"/>
+                        <p:cond evt="onBegin" delay="0">
+                          <p:tn val="2"/>
+                        </p:cond>
+                      </p:stCondLst>
+                      <p:childTnLst>
+                        <p:par>
+                          <p:cTn id="4" fill="hold">
+                            <p:stCondLst>
+                              <p:cond delay="0"/>
+                            </p:stCondLst>
+                            <p:childTnLst>
+                              <p:par>
+                                <p:cTn id="5" presetID="1" presetClass="mediacall" presetSubtype="0" fill="hold" nodeType="afterEffect">
+                                  <p:stCondLst>
+                                    <p:cond delay="0"/>
+                                  </p:stCondLst>
+                                  <p:childTnLst>
+                                    <p:cmd type="call" cmd="playFrom(0.0)">
+                                      <p:cBhvr>
+                                        <p:cTn id="6" dur="1" fill="hold"/>
+                                        <p:tgtEl>
+                                          <p:spTgt spid="5"/>
+                                        </p:tgtEl>
+                                      </p:cBhvr>
+                                    </p:cmd>
+                                  </p:childTnLst>
+                                </p:cTn>
+                              </p:par>
+                            </p:childTnLst>
+                          </p:cTn>
+                        </p:par>
+                      </p:childTnLst>
+                    </p:cTn>
+                  </p:par>
+                </p:childTnLst>
+              </p:cTn>
+              <p:prevCondLst>
+                <p:cond evt="onPrev" delay="0">
+                  <p:tgtEl>
+                    <p:sldTgt/>
+                  </p:tgtEl>
+                </p:cond>
+              </p:prevCondLst>
+              <p:nextCondLst>
+                <p:cond evt="onNext" delay="0">
+                  <p:tgtEl>
+                    <p:sldTgt/>
+                  </p:tgtEl>
+                </p:cond>
+              </p:nextCondLst>
+            </p:seq>
+            <p:video>
+              <p:cMediaNode>
+                <p:cTn id="7" fill="hold" display="0">
+                  <p:stCondLst>
+                    <p:cond delay="indefinite"/>
+                  </p:stCondLst>
+                  <p:endCondLst>
+                    <p:cond evt="onNext" delay="0">
+                      <p:tgtEl>
+                        <p:sldTgt/>
+                      </p:tgtEl>
+                    </p:cond>
+                    <p:cond evt="onPrev" delay="0">
+                      <p:tgtEl>
+                        <p:sldTgt/>
+                      </p:tgtEl>
+                    </p:cond>
+                  </p:endCondLst>
+                </p:cTn>
+                <p:tgtEl>
+                  <p:spTgt spid="5"/>
+                </p:tgtEl>
+              </p:cMediaNode>
+            </p:video>
+            <p:seq concurrent="1" nextAc="seek">
+              <p:cTn id="8" restart="whenNotActive" fill="hold" evtFilter="cancelBubble" nodeType="interactiveSeq">
+                <p:stCondLst>
+                  <p:cond evt="onClick" delay="0">
+                    <p:tgtEl>
+                      <p:spTgt spid="5"/>
+                    </p:tgtEl>
+                  </p:cond>
+                </p:stCondLst>
+                <p:endSync evt="end" delay="0">
+                  <p:rtn val="all"/>
+                </p:endSync>
+                <p:childTnLst>
+                  <p:par>
+                    <p:cTn id="9" fill="hold">
+                      <p:stCondLst>
+                        <p:cond delay="0"/>
+                      </p:stCondLst>
+                      <p:childTnLst>
+                        <p:par>
+                          <p:cTn id="10" fill="hold">
+                            <p:stCondLst>
+                              <p:cond delay="0"/>
+                            </p:stCondLst>
+                            <p:childTnLst>
+                              <p:par>
+                                <p:cTn id="11" presetID="2" presetClass="mediacall" presetSubtype="0" fill="hold" nodeType="clickEffect">
+                                  <p:stCondLst>
+                                    <p:cond delay="0"/>
+                                  </p:stCondLst>
+                                  <p:childTnLst>
+                                    <p:cmd type="call" cmd="togglePause">
+                                      <p:cBhvr>
+                                        <p:cTn id="12" dur="1" fill="hold"/>
+                                        <p:tgtEl>
+                                          <p:spTgt spid="5"/>
+                                        </p:tgtEl>
+                                      </p:cBhvr>
+                                    </p:cmd>
+                                  </p:childTnLst>
+                                </p:cTn>
+                              </p:par>
+                            </p:childTnLst>
+                          </p:cTn>
+                        </p:par>
+                      </p:childTnLst>
+                    </p:cTn>
+                  </p:par>
+                </p:childTnLst>
+              </p:cTn>
+              <p:nextCondLst>
+                <p:cond evt="onClick" delay="0">
+                  <p:tgtEl>
+                    <p:spTgt spid="5"/>
+                  </p:tgtEl>
+                </p:cond>
+              </p:nextCondLst>
+            </p:seq>
+          </p:childTnLst>
+        </p:cTn>
+      </p:par>
+    </p:tnLst>
+  </p:timing>
+</p:sld>
 </file>
 
 <file path=ppt/theme/theme1.xml><?xml version="1.0" encoding="utf-8"?>

--- a/Презентация.pptx
+++ b/Презентация.pptx
@@ -3117,6 +3117,13 @@
   <p:clrMapOvr>
     <a:masterClrMapping/>
   </p:clrMapOvr>
+  <p:timing>
+    <p:tnLst>
+      <p:par>
+        <p:cTn id="1" dur="indefinite" restart="never" nodeType="tmRoot"/>
+      </p:par>
+    </p:tnLst>
+  </p:timing>
 </p:sld>
 </file>
 
@@ -3156,7 +3163,15 @@
           <a:p>
             <a:r>
               <a:rPr lang="ru-RU" dirty="0" smtClean="0"/>
-              <a:t>Что Это Такое</a:t>
+              <a:t>Что Это </a:t>
+            </a:r>
+            <a:r>
+              <a:rPr lang="ru-RU" b="1" dirty="0" smtClean="0">
+                <a:solidFill>
+                  <a:srgbClr val="C00000"/>
+                </a:solidFill>
+              </a:rPr>
+              <a:t>Такое</a:t>
             </a:r>
             <a:r>
               <a:rPr lang="en-US" dirty="0" smtClean="0"/>
@@ -3190,12 +3205,28 @@
               <a:buNone/>
             </a:pPr>
             <a:r>
+              <a:rPr lang="en-US" i="1" dirty="0" smtClean="0"/>
+              <a:t>Dungeon Master </a:t>
+            </a:r>
+            <a:r>
               <a:rPr lang="en-US" dirty="0" smtClean="0"/>
-              <a:t>Dungeon Master – </a:t>
+              <a:t>– </a:t>
             </a:r>
             <a:r>
               <a:rPr lang="ru-RU" dirty="0" smtClean="0"/>
-              <a:t>это бессюжетная игра в жанре</a:t>
+              <a:t>это </a:t>
+            </a:r>
+            <a:r>
+              <a:rPr lang="ru-RU" dirty="0" smtClean="0">
+                <a:solidFill>
+                  <a:srgbClr val="C00000"/>
+                </a:solidFill>
+              </a:rPr>
+              <a:t>бессюжетная</a:t>
+            </a:r>
+            <a:r>
+              <a:rPr lang="ru-RU" dirty="0" smtClean="0"/>
+              <a:t> игра в жанре</a:t>
             </a:r>
             <a:endParaRPr lang="en-US" dirty="0" smtClean="0"/>
           </a:p>
@@ -3204,12 +3235,36 @@
               <a:buNone/>
             </a:pPr>
             <a:r>
-              <a:rPr lang="en-US" dirty="0" err="1" smtClean="0"/>
-              <a:t>Roguelike</a:t>
+              <a:rPr lang="en-US" i="1" dirty="0" err="1" smtClean="0">
+                <a:solidFill>
+                  <a:srgbClr val="C00000"/>
+                </a:solidFill>
+              </a:rPr>
+              <a:t>r</a:t>
+            </a:r>
+            <a:r>
+              <a:rPr lang="en-US" i="1" dirty="0" err="1" smtClean="0">
+                <a:solidFill>
+                  <a:srgbClr val="C00000"/>
+                </a:solidFill>
+              </a:rPr>
+              <a:t>oguelike</a:t>
             </a:r>
             <a:r>
               <a:rPr lang="ru-RU" dirty="0" smtClean="0"/>
-              <a:t>, где вы изучаете подземелья, попутно</a:t>
+              <a:t>, где вы изучаете </a:t>
+            </a:r>
+            <a:r>
+              <a:rPr lang="ru-RU" dirty="0" smtClean="0">
+                <a:solidFill>
+                  <a:srgbClr val="C00000"/>
+                </a:solidFill>
+              </a:rPr>
+              <a:t>подземелья</a:t>
+            </a:r>
+            <a:r>
+              <a:rPr lang="ru-RU" dirty="0" smtClean="0"/>
+              <a:t>, попутно</a:t>
             </a:r>
           </a:p>
           <a:p>
@@ -3218,7 +3273,19 @@
             </a:pPr>
             <a:r>
               <a:rPr lang="ru-RU" dirty="0" smtClean="0"/>
-              <a:t>отстреливаясь от толпы скелетов.  Пройдя все</a:t>
+              <a:t>отстреливаясь от толпы </a:t>
+            </a:r>
+            <a:r>
+              <a:rPr lang="ru-RU" dirty="0" smtClean="0">
+                <a:solidFill>
+                  <a:srgbClr val="C00000"/>
+                </a:solidFill>
+              </a:rPr>
+              <a:t>скелетов</a:t>
+            </a:r>
+            <a:r>
+              <a:rPr lang="ru-RU" dirty="0" smtClean="0"/>
+              <a:t>.  Пройдя все</a:t>
             </a:r>
           </a:p>
           <a:p>
@@ -3236,7 +3303,19 @@
             </a:pPr>
             <a:r>
               <a:rPr lang="ru-RU" dirty="0" smtClean="0"/>
-              <a:t>заставкой(т.е. ничем).</a:t>
+              <a:t>заставкой(т.е. </a:t>
+            </a:r>
+            <a:r>
+              <a:rPr lang="ru-RU" dirty="0" smtClean="0">
+                <a:solidFill>
+                  <a:srgbClr val="C00000"/>
+                </a:solidFill>
+              </a:rPr>
+              <a:t>ничем</a:t>
+            </a:r>
+            <a:r>
+              <a:rPr lang="ru-RU" dirty="0" smtClean="0"/>
+              <a:t>).</a:t>
             </a:r>
             <a:endParaRPr lang="ru-RU" dirty="0"/>
           </a:p>
@@ -3247,6 +3326,13 @@
   <p:clrMapOvr>
     <a:masterClrMapping/>
   </p:clrMapOvr>
+  <p:timing>
+    <p:tnLst>
+      <p:par>
+        <p:cTn id="1" dur="indefinite" restart="never" nodeType="tmRoot"/>
+      </p:par>
+    </p:tnLst>
+  </p:timing>
 </p:sld>
 </file>
 
@@ -3284,7 +3370,15 @@
           <a:p>
             <a:r>
               <a:rPr lang="ru-RU" dirty="0" smtClean="0"/>
-              <a:t>Какие Плюсы</a:t>
+              <a:t>Что </a:t>
+            </a:r>
+            <a:r>
+              <a:rPr lang="ru-RU" dirty="0" smtClean="0">
+                <a:solidFill>
+                  <a:srgbClr val="C00000"/>
+                </a:solidFill>
+              </a:rPr>
+              <a:t>положительного</a:t>
             </a:r>
             <a:r>
               <a:rPr lang="en-US" dirty="0" smtClean="0"/>
@@ -3313,8 +3407,12 @@
               <a:buAutoNum type="arabicPeriod"/>
             </a:pPr>
             <a:r>
+              <a:rPr lang="en-US" i="1" dirty="0" smtClean="0"/>
+              <a:t>“It just works”</a:t>
+            </a:r>
+            <a:r>
               <a:rPr lang="en-US" dirty="0" smtClean="0"/>
-              <a:t>“It just works”(Steve Jobs)</a:t>
+              <a:t>(Steve Jobs)</a:t>
             </a:r>
           </a:p>
           <a:p>
@@ -3323,15 +3421,43 @@
             </a:pPr>
             <a:r>
               <a:rPr lang="ru-RU" dirty="0" smtClean="0"/>
-              <a:t>Игра предоставляет невероятно малый простор для фантазии и невероятно скучный </a:t>
-            </a:r>
-            <a:r>
-              <a:rPr lang="ru-RU" dirty="0" err="1" smtClean="0"/>
+              <a:t>Игра предоставляет невероятно </a:t>
+            </a:r>
+            <a:r>
+              <a:rPr lang="ru-RU" dirty="0" smtClean="0">
+                <a:solidFill>
+                  <a:srgbClr val="C00000"/>
+                </a:solidFill>
+              </a:rPr>
+              <a:t>малый</a:t>
+            </a:r>
+            <a:r>
+              <a:rPr lang="ru-RU" dirty="0" smtClean="0"/>
+              <a:t> простор для фантазии и невероятно скучный </a:t>
+            </a:r>
+            <a:r>
+              <a:rPr lang="ru-RU" dirty="0" err="1" smtClean="0">
+                <a:solidFill>
+                  <a:srgbClr val="C00000"/>
+                </a:solidFill>
+              </a:rPr>
               <a:t>геймплей</a:t>
             </a:r>
             <a:r>
               <a:rPr lang="ru-RU" dirty="0" smtClean="0"/>
-              <a:t>, делая все для того, чтобы вы как можно меньше получали удовольствия.</a:t>
+              <a:t>, делая все для того, чтобы вы как можно меньше получали </a:t>
+            </a:r>
+            <a:r>
+              <a:rPr lang="ru-RU" dirty="0" smtClean="0">
+                <a:solidFill>
+                  <a:srgbClr val="C00000"/>
+                </a:solidFill>
+              </a:rPr>
+              <a:t>удовольствия</a:t>
+            </a:r>
+            <a:r>
+              <a:rPr lang="ru-RU" dirty="0" smtClean="0"/>
+              <a:t>.</a:t>
             </a:r>
           </a:p>
         </p:txBody>
@@ -3341,6 +3467,13 @@
   <p:clrMapOvr>
     <a:masterClrMapping/>
   </p:clrMapOvr>
+  <p:timing>
+    <p:tnLst>
+      <p:par>
+        <p:cTn id="1" dur="indefinite" restart="never" nodeType="tmRoot"/>
+      </p:par>
+    </p:tnLst>
+  </p:timing>
 </p:sld>
 </file>
 
@@ -3378,7 +3511,19 @@
           <a:p>
             <a:r>
               <a:rPr lang="ru-RU" dirty="0" smtClean="0"/>
-              <a:t>Почему Это Плюсы</a:t>
+              <a:t>Почему </a:t>
+            </a:r>
+            <a:r>
+              <a:rPr lang="ru-RU" dirty="0" smtClean="0">
+                <a:solidFill>
+                  <a:srgbClr val="C00000"/>
+                </a:solidFill>
+              </a:rPr>
+              <a:t>Это</a:t>
+            </a:r>
+            <a:r>
+              <a:rPr lang="ru-RU" dirty="0" smtClean="0"/>
+              <a:t> Плюсы</a:t>
             </a:r>
             <a:r>
               <a:rPr lang="en-US" dirty="0" smtClean="0"/>
@@ -3412,7 +3557,19 @@
           <a:p>
             <a:r>
               <a:rPr lang="ru-RU" sz="2400" dirty="0" smtClean="0"/>
-              <a:t>Несомненно, все эти факторы являются плюсами. Нужно лишь напрячь мозги.</a:t>
+              <a:t>Несомненно, все эти факторы являются плюсами. Нужно лишь напрячь </a:t>
+            </a:r>
+            <a:r>
+              <a:rPr lang="ru-RU" sz="2400" dirty="0" smtClean="0">
+                <a:solidFill>
+                  <a:srgbClr val="C00000"/>
+                </a:solidFill>
+              </a:rPr>
+              <a:t>мозги</a:t>
+            </a:r>
+            <a:r>
+              <a:rPr lang="ru-RU" sz="2400" dirty="0" smtClean="0"/>
+              <a:t>.</a:t>
             </a:r>
             <a:endParaRPr lang="ru-RU" sz="2400" dirty="0"/>
           </a:p>
@@ -3442,7 +3599,19 @@
           <a:p>
             <a:r>
               <a:rPr lang="ru-RU" sz="2400" dirty="0" smtClean="0"/>
-              <a:t>Т.к. Вы станете меньше проводить время за играми, вследствие чего начнете</a:t>
+              <a:t>Т.к. Вы станете </a:t>
+            </a:r>
+            <a:r>
+              <a:rPr lang="ru-RU" sz="2400" dirty="0" smtClean="0">
+                <a:solidFill>
+                  <a:srgbClr val="C00000"/>
+                </a:solidFill>
+              </a:rPr>
+              <a:t>меньше</a:t>
+            </a:r>
+            <a:r>
+              <a:rPr lang="ru-RU" sz="2400" dirty="0" smtClean="0"/>
+              <a:t> проводить время за играми, вследствие чего начнете</a:t>
             </a:r>
             <a:r>
               <a:rPr lang="en-US" sz="2400" dirty="0" smtClean="0"/>
@@ -3455,7 +3624,31 @@
             </a:pPr>
             <a:r>
               <a:rPr lang="ru-RU" sz="2400" dirty="0" smtClean="0"/>
-              <a:t>Меньше смотреть в экран(меньше портить зрение)</a:t>
+              <a:t>Меньше </a:t>
+            </a:r>
+            <a:r>
+              <a:rPr lang="ru-RU" sz="2400" dirty="0" smtClean="0">
+                <a:solidFill>
+                  <a:srgbClr val="C00000"/>
+                </a:solidFill>
+              </a:rPr>
+              <a:t>смотреть</a:t>
+            </a:r>
+            <a:r>
+              <a:rPr lang="ru-RU" sz="2400" dirty="0" smtClean="0"/>
+              <a:t> в </a:t>
+            </a:r>
+            <a:r>
+              <a:rPr lang="ru-RU" sz="2400" dirty="0" smtClean="0">
+                <a:solidFill>
+                  <a:srgbClr val="C00000"/>
+                </a:solidFill>
+              </a:rPr>
+              <a:t>экран</a:t>
+            </a:r>
+            <a:r>
+              <a:rPr lang="ru-RU" sz="2400" dirty="0" smtClean="0"/>
+              <a:t>(меньше портить зрение)</a:t>
             </a:r>
           </a:p>
           <a:p>
@@ -3465,7 +3658,55 @@
             </a:pPr>
             <a:r>
               <a:rPr lang="ru-RU" sz="2400" dirty="0" smtClean="0"/>
-              <a:t>Меньше проводить времени за компьютером, в сидячем положении(меньше наживать сколиоз, сутулость и другие проблемы сидячего образа жизни)</a:t>
+              <a:t>Меньше </a:t>
+            </a:r>
+            <a:r>
+              <a:rPr lang="ru-RU" sz="2400" dirty="0" smtClean="0">
+                <a:solidFill>
+                  <a:srgbClr val="C00000"/>
+                </a:solidFill>
+              </a:rPr>
+              <a:t>проводить</a:t>
+            </a:r>
+            <a:r>
+              <a:rPr lang="ru-RU" sz="2400" dirty="0" smtClean="0"/>
+              <a:t> времени за </a:t>
+            </a:r>
+            <a:r>
+              <a:rPr lang="ru-RU" sz="2400" dirty="0" smtClean="0">
+                <a:solidFill>
+                  <a:srgbClr val="C00000"/>
+                </a:solidFill>
+              </a:rPr>
+              <a:t>компьютером</a:t>
+            </a:r>
+            <a:r>
+              <a:rPr lang="ru-RU" sz="2400" dirty="0" smtClean="0"/>
+              <a:t>, в сидячем положении(меньше наживать </a:t>
+            </a:r>
+            <a:r>
+              <a:rPr lang="ru-RU" sz="2400" dirty="0" smtClean="0">
+                <a:solidFill>
+                  <a:srgbClr val="C00000"/>
+                </a:solidFill>
+              </a:rPr>
+              <a:t>сколиоз</a:t>
+            </a:r>
+            <a:r>
+              <a:rPr lang="ru-RU" sz="2400" dirty="0" smtClean="0"/>
+              <a:t>, </a:t>
+            </a:r>
+            <a:r>
+              <a:rPr lang="ru-RU" sz="2400" dirty="0" smtClean="0">
+                <a:solidFill>
+                  <a:srgbClr val="C00000"/>
+                </a:solidFill>
+              </a:rPr>
+              <a:t>сутулость</a:t>
+            </a:r>
+            <a:r>
+              <a:rPr lang="ru-RU" sz="2400" dirty="0" smtClean="0"/>
+              <a:t> и другие проблемы сидячего образа жизни)</a:t>
             </a:r>
           </a:p>
           <a:p>
@@ -3474,7 +3715,19 @@
             </a:pPr>
             <a:r>
               <a:rPr lang="ru-RU" sz="2400" dirty="0" smtClean="0"/>
-              <a:t>Начнете получать наслаждение от реальности(станете жить и изменитесь)</a:t>
+              <a:t>Начнете получать наслаждение от </a:t>
+            </a:r>
+            <a:r>
+              <a:rPr lang="ru-RU" sz="2400" dirty="0" smtClean="0">
+                <a:solidFill>
+                  <a:srgbClr val="C00000"/>
+                </a:solidFill>
+              </a:rPr>
+              <a:t>реальности</a:t>
+            </a:r>
+            <a:r>
+              <a:rPr lang="ru-RU" sz="2400" dirty="0" smtClean="0"/>
+              <a:t>(станете жить и изменитесь)</a:t>
             </a:r>
           </a:p>
         </p:txBody>
@@ -3484,6 +3737,13 @@
   <p:clrMapOvr>
     <a:masterClrMapping/>
   </p:clrMapOvr>
+  <p:timing>
+    <p:tnLst>
+      <p:par>
+        <p:cTn id="1" dur="indefinite" restart="never" nodeType="tmRoot"/>
+      </p:par>
+    </p:tnLst>
+  </p:timing>
 </p:sld>
 </file>
 
@@ -3520,8 +3780,16 @@
           <a:lstStyle/>
           <a:p>
             <a:r>
+              <a:rPr lang="ru-RU" dirty="0" smtClean="0">
+                <a:solidFill>
+                  <a:srgbClr val="C00000"/>
+                </a:solidFill>
+              </a:rPr>
+              <a:t>Техническое</a:t>
+            </a:r>
+            <a:r>
               <a:rPr lang="ru-RU" dirty="0" smtClean="0"/>
-              <a:t>Техническое описание</a:t>
+              <a:t> описание</a:t>
             </a:r>
             <a:endParaRPr lang="ru-RU" dirty="0"/>
           </a:p>
@@ -3540,7 +3808,7 @@
         <p:spPr/>
         <p:txBody>
           <a:bodyPr>
-            <a:normAutofit lnSpcReduction="10000"/>
+            <a:normAutofit fontScale="92500"/>
           </a:bodyPr>
           <a:lstStyle/>
           <a:p>
@@ -3552,7 +3820,11 @@
               <a:t>Игра создана на </a:t>
             </a:r>
             <a:r>
-              <a:rPr lang="en-US" dirty="0" smtClean="0"/>
+              <a:rPr lang="en-US" i="1" dirty="0" smtClean="0">
+                <a:solidFill>
+                  <a:srgbClr val="C00000"/>
+                </a:solidFill>
+              </a:rPr>
               <a:t>python</a:t>
             </a:r>
             <a:r>
@@ -3566,18 +3838,18 @@
             </a:pPr>
             <a:r>
               <a:rPr lang="ru-RU" dirty="0" smtClean="0"/>
-              <a:t>б</a:t>
-            </a:r>
-            <a:r>
-              <a:rPr lang="ru-RU" dirty="0" smtClean="0"/>
-              <a:t>иблиотеки</a:t>
+              <a:t>библиотеки</a:t>
             </a:r>
             <a:r>
               <a:rPr lang="en-US" dirty="0" smtClean="0"/>
               <a:t> </a:t>
             </a:r>
             <a:r>
-              <a:rPr lang="en-US" dirty="0" err="1" smtClean="0"/>
+              <a:rPr lang="en-US" i="1" dirty="0" err="1" smtClean="0">
+                <a:solidFill>
+                  <a:srgbClr val="C00000"/>
+                </a:solidFill>
+              </a:rPr>
               <a:t>pygame</a:t>
             </a:r>
             <a:r>
@@ -3599,8 +3871,16 @@
               <a:t>данных потребовался модуль </a:t>
             </a:r>
             <a:r>
+              <a:rPr lang="en-US" i="1" dirty="0" smtClean="0">
+                <a:solidFill>
+                  <a:srgbClr val="C00000"/>
+                </a:solidFill>
+              </a:rPr>
+              <a:t>sqlite3</a:t>
+            </a:r>
+            <a:r>
               <a:rPr lang="en-US" dirty="0" smtClean="0"/>
-              <a:t>sqlite3 </a:t>
+              <a:t> </a:t>
             </a:r>
             <a:r>
               <a:rPr lang="ru-RU" dirty="0" smtClean="0"/>
@@ -3617,7 +3897,11 @@
               <a:t> программа </a:t>
             </a:r>
             <a:r>
-              <a:rPr lang="en-US" dirty="0" err="1" smtClean="0"/>
+              <a:rPr lang="en-US" i="1" dirty="0" err="1" smtClean="0">
+                <a:solidFill>
+                  <a:srgbClr val="C00000"/>
+                </a:solidFill>
+              </a:rPr>
               <a:t>SQLiteStudio</a:t>
             </a:r>
             <a:r>
@@ -3631,7 +3915,15 @@
             </a:pPr>
             <a:r>
               <a:rPr lang="ru-RU" dirty="0" smtClean="0"/>
-              <a:t>В игре присутствуют стартовое окно, </a:t>
+              <a:t>В игре присутствуют </a:t>
+            </a:r>
+            <a:r>
+              <a:rPr lang="ru-RU" b="1" i="1" dirty="0" smtClean="0">
+                <a:solidFill>
+                  <a:srgbClr val="C00000"/>
+                </a:solidFill>
+              </a:rPr>
+              <a:t>стартовое окно, </a:t>
             </a:r>
           </a:p>
           <a:p>
@@ -3639,50 +3931,58 @@
               <a:buNone/>
             </a:pPr>
             <a:r>
+              <a:rPr lang="ru-RU" b="1" i="1" dirty="0" smtClean="0">
+                <a:solidFill>
+                  <a:srgbClr val="C00000"/>
+                </a:solidFill>
+              </a:rPr>
+              <a:t>финальное окно, подсчет результатов, </a:t>
+            </a:r>
+          </a:p>
+          <a:p>
+            <a:pPr>
+              <a:buNone/>
+            </a:pPr>
+            <a:r>
+              <a:rPr lang="ru-RU" b="1" i="1" dirty="0" smtClean="0">
+                <a:solidFill>
+                  <a:srgbClr val="C00000"/>
+                </a:solidFill>
+              </a:rPr>
+              <a:t>спрайты, </a:t>
+            </a:r>
+            <a:r>
+              <a:rPr lang="en-US" b="1" i="1" dirty="0" smtClean="0">
+                <a:solidFill>
+                  <a:srgbClr val="C00000"/>
+                </a:solidFill>
+              </a:rPr>
+              <a:t>collide</a:t>
+            </a:r>
+            <a:r>
+              <a:rPr lang="ru-RU" b="1" i="1" dirty="0" smtClean="0">
+                <a:solidFill>
+                  <a:srgbClr val="C00000"/>
+                </a:solidFill>
+              </a:rPr>
+              <a:t>, анимация, несколько</a:t>
+            </a:r>
+          </a:p>
+          <a:p>
+            <a:pPr>
+              <a:buNone/>
+            </a:pPr>
+            <a:r>
+              <a:rPr lang="ru-RU" b="1" i="1" dirty="0" smtClean="0">
+                <a:solidFill>
+                  <a:srgbClr val="C00000"/>
+                </a:solidFill>
+              </a:rPr>
+              <a:t>уровней и хранение данных</a:t>
+            </a:r>
+            <a:r>
               <a:rPr lang="ru-RU" dirty="0" smtClean="0"/>
-              <a:t>ф</a:t>
-            </a:r>
-            <a:r>
-              <a:rPr lang="ru-RU" dirty="0" smtClean="0"/>
-              <a:t>инальное окно, подсчет результатов, </a:t>
-            </a:r>
-          </a:p>
-          <a:p>
-            <a:pPr>
-              <a:buNone/>
-            </a:pPr>
-            <a:r>
-              <a:rPr lang="ru-RU" dirty="0" smtClean="0"/>
-              <a:t>с</a:t>
-            </a:r>
-            <a:r>
-              <a:rPr lang="ru-RU" dirty="0" smtClean="0"/>
-              <a:t>прайты,</a:t>
-            </a:r>
-            <a:r>
-              <a:rPr lang="ru-RU" i="1" dirty="0" smtClean="0"/>
-              <a:t> </a:t>
-            </a:r>
-            <a:r>
-              <a:rPr lang="en-US" i="1" dirty="0" smtClean="0"/>
-              <a:t>collide</a:t>
-            </a:r>
-            <a:r>
-              <a:rPr lang="ru-RU" dirty="0" smtClean="0"/>
-              <a:t>, анимация, несколько</a:t>
-            </a:r>
-          </a:p>
-          <a:p>
-            <a:pPr>
-              <a:buNone/>
-            </a:pPr>
-            <a:r>
-              <a:rPr lang="ru-RU" dirty="0" smtClean="0"/>
-              <a:t>у</a:t>
-            </a:r>
-            <a:r>
-              <a:rPr lang="ru-RU" dirty="0" smtClean="0"/>
-              <a:t>ровней и хранение данных.</a:t>
+              <a:t>.</a:t>
             </a:r>
             <a:endParaRPr lang="ru-RU" dirty="0"/>
           </a:p>
@@ -3693,6 +3993,13 @@
   <p:clrMapOvr>
     <a:masterClrMapping/>
   </p:clrMapOvr>
+  <p:timing>
+    <p:tnLst>
+      <p:par>
+        <p:cTn id="1" dur="indefinite" restart="never" nodeType="tmRoot"/>
+      </p:par>
+    </p:tnLst>
+  </p:timing>
 </p:sld>
 </file>
 
